--- a/TrustZone.pptx
+++ b/TrustZone.pptx
@@ -1,6 +1,6 @@
 
 <file path=ppt/presentation.xml><?xml version="1.0" encoding="utf-8"?>
-<p:presentation xmlns:a="http://schemas.openxmlformats.org/drawingml/2006/main" xmlns:r="http://schemas.openxmlformats.org/officeDocument/2006/relationships" xmlns:p="http://schemas.openxmlformats.org/presentationml/2006/main" embedTrueTypeFonts="1" saveSubsetFonts="1">
+<p:presentation xmlns:a="http://schemas.openxmlformats.org/drawingml/2006/main" xmlns:r="http://schemas.openxmlformats.org/officeDocument/2006/relationships" xmlns:p="http://schemas.openxmlformats.org/presentationml/2006/main" embedTrueTypeFonts="1">
   <p:sldMasterIdLst>
     <p:sldMasterId id="2147483648" r:id="rId1"/>
   </p:sldMasterIdLst>
@@ -231,7 +231,7 @@
           <a:p>
             <a:fld id="{71D81C75-B1F7-4907-8CBF-49CEA7E9FE00}" type="datetimeFigureOut">
               <a:rPr lang="ko-KR" altLang="en-US" smtClean="0"/>
-              <a:t>2021-05-13</a:t>
+              <a:t>2021-05-14</a:t>
             </a:fld>
             <a:endParaRPr lang="ko-KR" altLang="en-US"/>
           </a:p>
@@ -645,7 +645,7 @@
           <a:p>
             <a:fld id="{4F60F41D-F04B-4FBB-8189-4D408D6EE38B}" type="datetimeFigureOut">
               <a:rPr lang="ko-KR" altLang="en-US" smtClean="0"/>
-              <a:t>2021-05-13</a:t>
+              <a:t>2021-05-14</a:t>
             </a:fld>
             <a:endParaRPr lang="ko-KR" altLang="en-US"/>
           </a:p>
@@ -843,7 +843,7 @@
           <a:p>
             <a:fld id="{4F60F41D-F04B-4FBB-8189-4D408D6EE38B}" type="datetimeFigureOut">
               <a:rPr lang="ko-KR" altLang="en-US" smtClean="0"/>
-              <a:t>2021-05-13</a:t>
+              <a:t>2021-05-14</a:t>
             </a:fld>
             <a:endParaRPr lang="ko-KR" altLang="en-US"/>
           </a:p>
@@ -1051,7 +1051,7 @@
           <a:p>
             <a:fld id="{4F60F41D-F04B-4FBB-8189-4D408D6EE38B}" type="datetimeFigureOut">
               <a:rPr lang="ko-KR" altLang="en-US" smtClean="0"/>
-              <a:t>2021-05-13</a:t>
+              <a:t>2021-05-14</a:t>
             </a:fld>
             <a:endParaRPr lang="ko-KR" altLang="en-US"/>
           </a:p>
@@ -1249,7 +1249,7 @@
           <a:p>
             <a:fld id="{4F60F41D-F04B-4FBB-8189-4D408D6EE38B}" type="datetimeFigureOut">
               <a:rPr lang="ko-KR" altLang="en-US" smtClean="0"/>
-              <a:t>2021-05-13</a:t>
+              <a:t>2021-05-14</a:t>
             </a:fld>
             <a:endParaRPr lang="ko-KR" altLang="en-US"/>
           </a:p>
@@ -1524,7 +1524,7 @@
           <a:p>
             <a:fld id="{4F60F41D-F04B-4FBB-8189-4D408D6EE38B}" type="datetimeFigureOut">
               <a:rPr lang="ko-KR" altLang="en-US" smtClean="0"/>
-              <a:t>2021-05-13</a:t>
+              <a:t>2021-05-14</a:t>
             </a:fld>
             <a:endParaRPr lang="ko-KR" altLang="en-US"/>
           </a:p>
@@ -1789,7 +1789,7 @@
           <a:p>
             <a:fld id="{4F60F41D-F04B-4FBB-8189-4D408D6EE38B}" type="datetimeFigureOut">
               <a:rPr lang="ko-KR" altLang="en-US" smtClean="0"/>
-              <a:t>2021-05-13</a:t>
+              <a:t>2021-05-14</a:t>
             </a:fld>
             <a:endParaRPr lang="ko-KR" altLang="en-US"/>
           </a:p>
@@ -2201,7 +2201,7 @@
           <a:p>
             <a:fld id="{4F60F41D-F04B-4FBB-8189-4D408D6EE38B}" type="datetimeFigureOut">
               <a:rPr lang="ko-KR" altLang="en-US" smtClean="0"/>
-              <a:t>2021-05-13</a:t>
+              <a:t>2021-05-14</a:t>
             </a:fld>
             <a:endParaRPr lang="ko-KR" altLang="en-US"/>
           </a:p>
@@ -2342,7 +2342,7 @@
           <a:p>
             <a:fld id="{4F60F41D-F04B-4FBB-8189-4D408D6EE38B}" type="datetimeFigureOut">
               <a:rPr lang="ko-KR" altLang="en-US" smtClean="0"/>
-              <a:t>2021-05-13</a:t>
+              <a:t>2021-05-14</a:t>
             </a:fld>
             <a:endParaRPr lang="ko-KR" altLang="en-US"/>
           </a:p>
@@ -2455,7 +2455,7 @@
           <a:p>
             <a:fld id="{4F60F41D-F04B-4FBB-8189-4D408D6EE38B}" type="datetimeFigureOut">
               <a:rPr lang="ko-KR" altLang="en-US" smtClean="0"/>
-              <a:t>2021-05-13</a:t>
+              <a:t>2021-05-14</a:t>
             </a:fld>
             <a:endParaRPr lang="ko-KR" altLang="en-US"/>
           </a:p>
@@ -2766,7 +2766,7 @@
           <a:p>
             <a:fld id="{4F60F41D-F04B-4FBB-8189-4D408D6EE38B}" type="datetimeFigureOut">
               <a:rPr lang="ko-KR" altLang="en-US" smtClean="0"/>
-              <a:t>2021-05-13</a:t>
+              <a:t>2021-05-14</a:t>
             </a:fld>
             <a:endParaRPr lang="ko-KR" altLang="en-US"/>
           </a:p>
@@ -3054,7 +3054,7 @@
           <a:p>
             <a:fld id="{4F60F41D-F04B-4FBB-8189-4D408D6EE38B}" type="datetimeFigureOut">
               <a:rPr lang="ko-KR" altLang="en-US" smtClean="0"/>
-              <a:t>2021-05-13</a:t>
+              <a:t>2021-05-14</a:t>
             </a:fld>
             <a:endParaRPr lang="ko-KR" altLang="en-US"/>
           </a:p>
@@ -3295,7 +3295,7 @@
           <a:p>
             <a:fld id="{4F60F41D-F04B-4FBB-8189-4D408D6EE38B}" type="datetimeFigureOut">
               <a:rPr lang="ko-KR" altLang="en-US" smtClean="0"/>
-              <a:t>2021-05-13</a:t>
+              <a:t>2021-05-14</a:t>
             </a:fld>
             <a:endParaRPr lang="ko-KR" altLang="en-US"/>
           </a:p>
@@ -4187,7 +4187,7 @@
         <p:spPr>
           <a:xfrm>
             <a:off x="5268489" y="2088910"/>
-            <a:ext cx="6218940" cy="1757854"/>
+            <a:ext cx="6218940" cy="2188741"/>
           </a:xfrm>
           <a:prstGeom prst="rect">
             <a:avLst/>
@@ -4277,7 +4277,35 @@
                 <a:latin typeface="나눔스퀘어라운드 Regular" panose="020B0600000101010101" pitchFamily="50" charset="-127"/>
                 <a:ea typeface="나눔스퀘어라운드 Regular" panose="020B0600000101010101" pitchFamily="50" charset="-127"/>
               </a:rPr>
-              <a:t> TEE Client API</a:t>
+              <a:t> REE</a:t>
+            </a:r>
+            <a:r>
+              <a:rPr lang="ko-KR" altLang="en-US" sz="1400" spc="-30" dirty="0">
+                <a:latin typeface="나눔스퀘어라운드 Regular" panose="020B0600000101010101" pitchFamily="50" charset="-127"/>
+                <a:ea typeface="나눔스퀘어라운드 Regular" panose="020B0600000101010101" pitchFamily="50" charset="-127"/>
+              </a:rPr>
+              <a:t>의 </a:t>
+            </a:r>
+            <a:r>
+              <a:rPr lang="en-US" altLang="ko-KR" sz="1400" spc="-30" dirty="0">
+                <a:latin typeface="나눔스퀘어라운드 Regular" panose="020B0600000101010101" pitchFamily="50" charset="-127"/>
+                <a:ea typeface="나눔스퀘어라운드 Regular" panose="020B0600000101010101" pitchFamily="50" charset="-127"/>
+              </a:rPr>
+              <a:t>CA(Client Application)</a:t>
+            </a:r>
+            <a:r>
+              <a:rPr lang="ko-KR" altLang="en-US" sz="1400" spc="-30" dirty="0">
+                <a:latin typeface="나눔스퀘어라운드 Regular" panose="020B0600000101010101" pitchFamily="50" charset="-127"/>
+                <a:ea typeface="나눔스퀘어라운드 Regular" panose="020B0600000101010101" pitchFamily="50" charset="-127"/>
+              </a:rPr>
+              <a:t>에서 </a:t>
+            </a:r>
+            <a:r>
+              <a:rPr lang="en-US" altLang="ko-KR" sz="1400" spc="-30" dirty="0">
+                <a:latin typeface="나눔스퀘어라운드 Regular" panose="020B0600000101010101" pitchFamily="50" charset="-127"/>
+                <a:ea typeface="나눔스퀘어라운드 Regular" panose="020B0600000101010101" pitchFamily="50" charset="-127"/>
+              </a:rPr>
+              <a:t>TEE Client API</a:t>
             </a:r>
             <a:r>
               <a:rPr lang="ko-KR" altLang="en-US" sz="1400" spc="-30" dirty="0">
@@ -6783,7 +6811,7 @@
         </p:nvSpPr>
         <p:spPr>
           <a:xfrm>
-            <a:off x="4063536" y="3142727"/>
+            <a:off x="5929847" y="3596470"/>
             <a:ext cx="5306775" cy="426142"/>
           </a:xfrm>
           <a:prstGeom prst="rect">
@@ -6858,7 +6886,7 @@
         </p:nvSpPr>
         <p:spPr>
           <a:xfrm>
-            <a:off x="3632865" y="3271604"/>
+            <a:off x="5499176" y="3725347"/>
             <a:ext cx="439138" cy="228600"/>
           </a:xfrm>
           <a:prstGeom prst="rightArrow">
@@ -6893,6 +6921,109 @@
           </a:p>
         </p:txBody>
       </p:sp>
+      <p:grpSp>
+        <p:nvGrpSpPr>
+          <p:cNvPr id="13" name="그룹 12">
+            <a:extLst>
+              <a:ext uri="{FF2B5EF4-FFF2-40B4-BE49-F238E27FC236}">
+                <a16:creationId xmlns:a16="http://schemas.microsoft.com/office/drawing/2014/main" id="{414ACD5B-7EE0-4EF7-932B-CAA95DFAF5E0}"/>
+              </a:ext>
+            </a:extLst>
+          </p:cNvPr>
+          <p:cNvGrpSpPr/>
+          <p:nvPr/>
+        </p:nvGrpSpPr>
+        <p:grpSpPr>
+          <a:xfrm>
+            <a:off x="518224" y="3076716"/>
+            <a:ext cx="4587675" cy="2575783"/>
+            <a:chOff x="955286" y="3697746"/>
+            <a:chExt cx="4587675" cy="2575783"/>
+          </a:xfrm>
+        </p:grpSpPr>
+        <p:pic>
+          <p:nvPicPr>
+            <p:cNvPr id="14" name="그림 13">
+              <a:extLst>
+                <a:ext uri="{FF2B5EF4-FFF2-40B4-BE49-F238E27FC236}">
+                  <a16:creationId xmlns:a16="http://schemas.microsoft.com/office/drawing/2014/main" id="{23973DB4-B8B0-4FDB-8F68-A7F5F24EA77B}"/>
+                </a:ext>
+              </a:extLst>
+            </p:cNvPr>
+            <p:cNvPicPr>
+              <a:picLocks noChangeAspect="1"/>
+            </p:cNvPicPr>
+            <p:nvPr/>
+          </p:nvPicPr>
+          <p:blipFill>
+            <a:blip r:embed="rId4"/>
+            <a:stretch>
+              <a:fillRect/>
+            </a:stretch>
+          </p:blipFill>
+          <p:spPr>
+            <a:xfrm>
+              <a:off x="955286" y="3697746"/>
+              <a:ext cx="4587638" cy="2575783"/>
+            </a:xfrm>
+            <a:prstGeom prst="rect">
+              <a:avLst/>
+            </a:prstGeom>
+          </p:spPr>
+        </p:pic>
+        <p:sp>
+          <p:nvSpPr>
+            <p:cNvPr id="16" name="직사각형 15">
+              <a:extLst>
+                <a:ext uri="{FF2B5EF4-FFF2-40B4-BE49-F238E27FC236}">
+                  <a16:creationId xmlns:a16="http://schemas.microsoft.com/office/drawing/2014/main" id="{F596F6C9-2897-45EE-AE68-668E580F83B2}"/>
+                </a:ext>
+              </a:extLst>
+            </p:cNvPr>
+            <p:cNvSpPr/>
+            <p:nvPr/>
+          </p:nvSpPr>
+          <p:spPr>
+            <a:xfrm>
+              <a:off x="5118755" y="4760536"/>
+              <a:ext cx="424206" cy="437139"/>
+            </a:xfrm>
+            <a:prstGeom prst="rect">
+              <a:avLst/>
+            </a:prstGeom>
+            <a:solidFill>
+              <a:schemeClr val="bg1"/>
+            </a:solidFill>
+            <a:ln>
+              <a:noFill/>
+            </a:ln>
+          </p:spPr>
+          <p:style>
+            <a:lnRef idx="2">
+              <a:schemeClr val="accent1">
+                <a:shade val="50000"/>
+              </a:schemeClr>
+            </a:lnRef>
+            <a:fillRef idx="1">
+              <a:schemeClr val="accent1"/>
+            </a:fillRef>
+            <a:effectRef idx="0">
+              <a:schemeClr val="accent1"/>
+            </a:effectRef>
+            <a:fontRef idx="minor">
+              <a:schemeClr val="lt1"/>
+            </a:fontRef>
+          </p:style>
+          <p:txBody>
+            <a:bodyPr rtlCol="0" anchor="ctr"/>
+            <a:lstStyle/>
+            <a:p>
+              <a:pPr algn="ctr"/>
+              <a:endParaRPr lang="ko-KR" altLang="en-US"/>
+            </a:p>
+          </p:txBody>
+        </p:sp>
+      </p:grpSp>
     </p:spTree>
     <p:extLst>
       <p:ext uri="{BB962C8B-B14F-4D97-AF65-F5344CB8AC3E}">
@@ -6924,7 +7055,7 @@
                             </p:stCondLst>
                             <p:childTnLst>
                               <p:par>
-                                <p:cTn id="5" presetID="10" presetClass="entr" presetSubtype="0" fill="hold" grpId="0" nodeType="clickEffect">
+                                <p:cTn id="5" presetID="1" presetClass="entr" presetSubtype="0" fill="hold" nodeType="clickEffect">
                                   <p:stCondLst>
                                     <p:cond delay="0"/>
                                   </p:stCondLst>
@@ -6932,6 +7063,78 @@
                                     <p:set>
                                       <p:cBhvr>
                                         <p:cTn id="6" dur="1" fill="hold">
+                                          <p:stCondLst>
+                                            <p:cond delay="0"/>
+                                          </p:stCondLst>
+                                        </p:cTn>
+                                        <p:tgtEl>
+                                          <p:spTgt spid="13"/>
+                                        </p:tgtEl>
+                                        <p:attrNameLst>
+                                          <p:attrName>style.visibility</p:attrName>
+                                        </p:attrNameLst>
+                                      </p:cBhvr>
+                                      <p:to>
+                                        <p:strVal val="visible"/>
+                                      </p:to>
+                                    </p:set>
+                                  </p:childTnLst>
+                                </p:cTn>
+                              </p:par>
+                            </p:childTnLst>
+                          </p:cTn>
+                        </p:par>
+                      </p:childTnLst>
+                    </p:cTn>
+                  </p:par>
+                  <p:par>
+                    <p:cTn id="7" fill="hold">
+                      <p:stCondLst>
+                        <p:cond delay="indefinite"/>
+                      </p:stCondLst>
+                      <p:childTnLst>
+                        <p:par>
+                          <p:cTn id="8" fill="hold">
+                            <p:stCondLst>
+                              <p:cond delay="0"/>
+                            </p:stCondLst>
+                            <p:childTnLst>
+                              <p:par>
+                                <p:cTn id="9" presetID="1" presetClass="entr" presetSubtype="0" fill="hold" grpId="0" nodeType="clickEffect">
+                                  <p:stCondLst>
+                                    <p:cond delay="0"/>
+                                  </p:stCondLst>
+                                  <p:childTnLst>
+                                    <p:set>
+                                      <p:cBhvr>
+                                        <p:cTn id="10" dur="1" fill="hold">
+                                          <p:stCondLst>
+                                            <p:cond delay="0"/>
+                                          </p:stCondLst>
+                                        </p:cTn>
+                                        <p:tgtEl>
+                                          <p:spTgt spid="30"/>
+                                        </p:tgtEl>
+                                        <p:attrNameLst>
+                                          <p:attrName>style.visibility</p:attrName>
+                                        </p:attrNameLst>
+                                      </p:cBhvr>
+                                      <p:to>
+                                        <p:strVal val="visible"/>
+                                      </p:to>
+                                    </p:set>
+                                  </p:childTnLst>
+                                </p:cTn>
+                              </p:par>
+                              <p:par>
+                                <p:cTn id="11" presetID="1" presetClass="entr" presetSubtype="0" fill="hold" grpId="0" nodeType="withEffect">
+                                  <p:stCondLst>
+                                    <p:cond delay="0"/>
+                                  </p:stCondLst>
+                                  <p:childTnLst>
+                                    <p:set>
+                                      <p:cBhvr>
+                                        <p:cTn id="12" dur="1" fill="hold">
                                           <p:stCondLst>
                                             <p:cond delay="0"/>
                                           </p:stCondLst>
@@ -6947,49 +7150,6 @@
                                         <p:strVal val="visible"/>
                                       </p:to>
                                     </p:set>
-                                    <p:animEffect transition="in" filter="fade">
-                                      <p:cBhvr>
-                                        <p:cTn id="7" dur="500"/>
-                                        <p:tgtEl>
-                                          <p:spTgt spid="29"/>
-                                        </p:tgtEl>
-                                      </p:cBhvr>
-                                    </p:animEffect>
-                                  </p:childTnLst>
-                                </p:cTn>
-                              </p:par>
-                              <p:par>
-                                <p:cTn id="8" presetID="10" presetClass="entr" presetSubtype="0" fill="hold" grpId="0" nodeType="withEffect">
-                                  <p:stCondLst>
-                                    <p:cond delay="0"/>
-                                  </p:stCondLst>
-                                  <p:childTnLst>
-                                    <p:set>
-                                      <p:cBhvr>
-                                        <p:cTn id="9" dur="1" fill="hold">
-                                          <p:stCondLst>
-                                            <p:cond delay="0"/>
-                                          </p:stCondLst>
-                                        </p:cTn>
-                                        <p:tgtEl>
-                                          <p:spTgt spid="30"/>
-                                        </p:tgtEl>
-                                        <p:attrNameLst>
-                                          <p:attrName>style.visibility</p:attrName>
-                                        </p:attrNameLst>
-                                      </p:cBhvr>
-                                      <p:to>
-                                        <p:strVal val="visible"/>
-                                      </p:to>
-                                    </p:set>
-                                    <p:animEffect transition="in" filter="fade">
-                                      <p:cBhvr>
-                                        <p:cTn id="10" dur="500"/>
-                                        <p:tgtEl>
-                                          <p:spTgt spid="30"/>
-                                        </p:tgtEl>
-                                      </p:cBhvr>
-                                    </p:animEffect>
                                   </p:childTnLst>
                                 </p:cTn>
                               </p:par>
@@ -7604,7 +7764,7 @@
                 <a:latin typeface="나눔스퀘어라운드 Regular" panose="020B0600000101010101" pitchFamily="50" charset="-127"/>
                 <a:ea typeface="나눔스퀘어라운드 Regular" panose="020B0600000101010101" pitchFamily="50" charset="-127"/>
               </a:rPr>
-              <a:t>secure world(TEE)</a:t>
+              <a:t>Secure World(TEE)</a:t>
             </a:r>
             <a:r>
               <a:rPr lang="ko-KR" altLang="en-US" sz="1400" spc="-30" dirty="0">
@@ -7618,7 +7778,7 @@
                 <a:latin typeface="나눔스퀘어라운드 Regular" panose="020B0600000101010101" pitchFamily="50" charset="-127"/>
                 <a:ea typeface="나눔스퀘어라운드 Regular" panose="020B0600000101010101" pitchFamily="50" charset="-127"/>
               </a:rPr>
-              <a:t>normal</a:t>
+              <a:t>Normal World(REE)</a:t>
             </a:r>
             <a:r>
               <a:rPr lang="ko-KR" altLang="en-US" sz="1400" spc="-30" dirty="0">
